--- a/documents/MDK_vnedrenie.pptx
+++ b/documents/MDK_vnedrenie.pptx
@@ -4418,7 +4418,7 @@
           <a:p>
             <a:fld id="{48A87A34-81AB-432B-8DAE-1953F412C126}" type="datetimeFigureOut">
               <a:rPr lang="en-US" dirty="0"/>
-              <a:t>6/12/2024</a:t>
+              <a:t>6/13/2024</a:t>
             </a:fld>
             <a:endParaRPr lang="en-US" dirty="0"/>
           </a:p>
@@ -4680,7 +4680,7 @@
           <a:p>
             <a:fld id="{48A87A34-81AB-432B-8DAE-1953F412C126}" type="datetimeFigureOut">
               <a:rPr lang="en-US" dirty="0"/>
-              <a:t>6/12/2024</a:t>
+              <a:t>6/13/2024</a:t>
             </a:fld>
             <a:endParaRPr lang="en-US" dirty="0"/>
           </a:p>
@@ -4871,7 +4871,7 @@
           <a:p>
             <a:fld id="{48A87A34-81AB-432B-8DAE-1953F412C126}" type="datetimeFigureOut">
               <a:rPr lang="en-US" dirty="0"/>
-              <a:t>6/12/2024</a:t>
+              <a:t>6/13/2024</a:t>
             </a:fld>
             <a:endParaRPr lang="en-US" dirty="0"/>
           </a:p>
@@ -5129,7 +5129,7 @@
           <a:p>
             <a:fld id="{48A87A34-81AB-432B-8DAE-1953F412C126}" type="datetimeFigureOut">
               <a:rPr lang="en-US" dirty="0"/>
-              <a:t>6/12/2024</a:t>
+              <a:t>6/13/2024</a:t>
             </a:fld>
             <a:endParaRPr lang="en-US" dirty="0"/>
           </a:p>
@@ -5558,7 +5558,7 @@
           <a:p>
             <a:fld id="{48A87A34-81AB-432B-8DAE-1953F412C126}" type="datetimeFigureOut">
               <a:rPr lang="en-US" dirty="0"/>
-              <a:t>6/12/2024</a:t>
+              <a:t>6/13/2024</a:t>
             </a:fld>
             <a:endParaRPr lang="en-US" dirty="0"/>
           </a:p>
@@ -6099,7 +6099,7 @@
           <a:p>
             <a:fld id="{48A87A34-81AB-432B-8DAE-1953F412C126}" type="datetimeFigureOut">
               <a:rPr lang="en-US" dirty="0"/>
-              <a:t>6/12/2024</a:t>
+              <a:t>6/13/2024</a:t>
             </a:fld>
             <a:endParaRPr lang="en-US" dirty="0"/>
           </a:p>
@@ -6814,7 +6814,7 @@
           <a:p>
             <a:fld id="{48A87A34-81AB-432B-8DAE-1953F412C126}" type="datetimeFigureOut">
               <a:rPr lang="en-US" dirty="0"/>
-              <a:t>6/12/2024</a:t>
+              <a:t>6/13/2024</a:t>
             </a:fld>
             <a:endParaRPr lang="en-US" dirty="0"/>
           </a:p>
@@ -6979,7 +6979,7 @@
           <a:p>
             <a:fld id="{48A87A34-81AB-432B-8DAE-1953F412C126}" type="datetimeFigureOut">
               <a:rPr lang="en-US" dirty="0"/>
-              <a:t>6/12/2024</a:t>
+              <a:t>6/13/2024</a:t>
             </a:fld>
             <a:endParaRPr lang="en-US" dirty="0"/>
           </a:p>
@@ -7154,7 +7154,7 @@
           <a:p>
             <a:fld id="{48A87A34-81AB-432B-8DAE-1953F412C126}" type="datetimeFigureOut">
               <a:rPr lang="en-US" dirty="0"/>
-              <a:t>6/12/2024</a:t>
+              <a:t>6/13/2024</a:t>
             </a:fld>
             <a:endParaRPr lang="en-US" dirty="0"/>
           </a:p>
@@ -7319,7 +7319,7 @@
           <a:p>
             <a:fld id="{48A87A34-81AB-432B-8DAE-1953F412C126}" type="datetimeFigureOut">
               <a:rPr lang="en-US" dirty="0"/>
-              <a:t>6/12/2024</a:t>
+              <a:t>6/13/2024</a:t>
             </a:fld>
             <a:endParaRPr lang="en-US" dirty="0"/>
           </a:p>
@@ -7564,7 +7564,7 @@
           <a:p>
             <a:fld id="{48A87A34-81AB-432B-8DAE-1953F412C126}" type="datetimeFigureOut">
               <a:rPr lang="en-US" dirty="0"/>
-              <a:t>6/12/2024</a:t>
+              <a:t>6/13/2024</a:t>
             </a:fld>
             <a:endParaRPr lang="en-US" dirty="0"/>
           </a:p>
@@ -7791,7 +7791,7 @@
           <a:p>
             <a:fld id="{48A87A34-81AB-432B-8DAE-1953F412C126}" type="datetimeFigureOut">
               <a:rPr lang="en-US" dirty="0"/>
-              <a:t>6/12/2024</a:t>
+              <a:t>6/13/2024</a:t>
             </a:fld>
             <a:endParaRPr lang="en-US" dirty="0"/>
           </a:p>
@@ -8167,7 +8167,7 @@
           <a:p>
             <a:fld id="{48A87A34-81AB-432B-8DAE-1953F412C126}" type="datetimeFigureOut">
               <a:rPr lang="en-US" dirty="0"/>
-              <a:t>6/12/2024</a:t>
+              <a:t>6/13/2024</a:t>
             </a:fld>
             <a:endParaRPr lang="en-US" dirty="0"/>
           </a:p>
@@ -8280,7 +8280,7 @@
           <a:p>
             <a:fld id="{48A87A34-81AB-432B-8DAE-1953F412C126}" type="datetimeFigureOut">
               <a:rPr lang="en-US" dirty="0"/>
-              <a:t>6/12/2024</a:t>
+              <a:t>6/13/2024</a:t>
             </a:fld>
             <a:endParaRPr lang="en-US" dirty="0"/>
           </a:p>
@@ -8370,7 +8370,7 @@
           <a:p>
             <a:fld id="{48A87A34-81AB-432B-8DAE-1953F412C126}" type="datetimeFigureOut">
               <a:rPr lang="en-US" dirty="0"/>
-              <a:t>6/12/2024</a:t>
+              <a:t>6/13/2024</a:t>
             </a:fld>
             <a:endParaRPr lang="en-US" dirty="0"/>
           </a:p>
@@ -8614,7 +8614,7 @@
           <a:p>
             <a:fld id="{48A87A34-81AB-432B-8DAE-1953F412C126}" type="datetimeFigureOut">
               <a:rPr lang="en-US" dirty="0"/>
-              <a:t>6/12/2024</a:t>
+              <a:t>6/13/2024</a:t>
             </a:fld>
             <a:endParaRPr lang="en-US" dirty="0"/>
           </a:p>
@@ -8889,7 +8889,7 @@
           <a:p>
             <a:fld id="{48A87A34-81AB-432B-8DAE-1953F412C126}" type="datetimeFigureOut">
               <a:rPr lang="en-US" dirty="0"/>
-              <a:t>6/12/2024</a:t>
+              <a:t>6/13/2024</a:t>
             </a:fld>
             <a:endParaRPr lang="en-US" dirty="0"/>
           </a:p>
@@ -11969,7 +11969,7 @@
             <a:fld id="{48A87A34-81AB-432B-8DAE-1953F412C126}" type="datetimeFigureOut">
               <a:rPr lang="en-US" dirty="0"/>
               <a:pPr/>
-              <a:t>6/12/2024</a:t>
+              <a:t>6/13/2024</a:t>
             </a:fld>
             <a:endParaRPr lang="en-US" dirty="0"/>
           </a:p>
@@ -12852,10 +12852,10 @@
       </p:sp>
       <p:pic>
         <p:nvPicPr>
-          <p:cNvPr id="5" name="Рисунок 4">
+          <p:cNvPr id="4" name="Рисунок 3">
             <a:extLst>
               <a:ext uri="{FF2B5EF4-FFF2-40B4-BE49-F238E27FC236}">
-                <a16:creationId xmlns:a16="http://schemas.microsoft.com/office/drawing/2014/main" id="{3680A731-C58A-43E8-A989-35B9666B7A27}"/>
+                <a16:creationId xmlns:a16="http://schemas.microsoft.com/office/drawing/2014/main" id="{7AE037CE-F1C9-4E5F-A331-97076CE18F9E}"/>
               </a:ext>
             </a:extLst>
           </p:cNvPr>
@@ -12872,8 +12872,8 @@
         </p:blipFill>
         <p:spPr>
           <a:xfrm>
-            <a:off x="305373" y="1503044"/>
-            <a:ext cx="5790627" cy="3639823"/>
+            <a:off x="171254" y="1290858"/>
+            <a:ext cx="5689014" cy="3600000"/>
           </a:xfrm>
           <a:prstGeom prst="roundRect">
             <a:avLst>
@@ -12895,10 +12895,10 @@
       </p:pic>
       <p:pic>
         <p:nvPicPr>
-          <p:cNvPr id="7" name="Рисунок 6">
+          <p:cNvPr id="8" name="Рисунок 7">
             <a:extLst>
               <a:ext uri="{FF2B5EF4-FFF2-40B4-BE49-F238E27FC236}">
-                <a16:creationId xmlns:a16="http://schemas.microsoft.com/office/drawing/2014/main" id="{FA9D473A-6FA9-41E0-90E9-A5C8A18A1945}"/>
+                <a16:creationId xmlns:a16="http://schemas.microsoft.com/office/drawing/2014/main" id="{33F69099-4D33-4CFF-8DAF-2CBDA767AD14}"/>
               </a:ext>
             </a:extLst>
           </p:cNvPr>
@@ -12915,8 +12915,8 @@
         </p:blipFill>
         <p:spPr>
           <a:xfrm>
-            <a:off x="6163249" y="2105025"/>
-            <a:ext cx="5790626" cy="4106644"/>
+            <a:off x="5964973" y="2509119"/>
+            <a:ext cx="6055773" cy="3600000"/>
           </a:xfrm>
           <a:prstGeom prst="roundRect">
             <a:avLst>
@@ -14044,7 +14044,7 @@
           <a:graphicData uri="http://schemas.openxmlformats.org/presentationml/2006/ole">
             <mc:AlternateContent xmlns:mc="http://schemas.openxmlformats.org/markup-compatibility/2006">
               <mc:Choice xmlns:v="urn:schemas-microsoft-com:vml" Requires="v">
-                <p:oleObj spid="_x0000_s4112" name="Visio" r:id="rId3" imgW="8486775" imgH="5657850" progId="Visio.Drawing.15">
+                <p:oleObj spid="_x0000_s4119" name="Visio" r:id="rId3" imgW="8486775" imgH="5657850" progId="Visio.Drawing.15">
                   <p:embed/>
                 </p:oleObj>
               </mc:Choice>
@@ -14713,11 +14713,14 @@
           <a:lstStyle/>
           <a:p>
             <a:r>
-              <a:rPr lang="ru-RU" b="1" dirty="0">
+              <a:rPr lang="ru-RU" b="1">
                 <a:effectLst/>
               </a:rPr>
               <a:t>Руководство оператора</a:t>
             </a:r>
+            <a:endParaRPr lang="ru-RU" b="1" dirty="0">
+              <a:effectLst/>
+            </a:endParaRPr>
           </a:p>
         </p:txBody>
       </p:sp>
@@ -14795,8 +14798,8 @@
         </p:nvSpPr>
         <p:spPr>
           <a:xfrm>
-            <a:off x="484717" y="1164566"/>
-            <a:ext cx="10858499" cy="5478423"/>
+            <a:off x="604820" y="1445874"/>
+            <a:ext cx="10858499" cy="5016758"/>
           </a:xfrm>
           <a:prstGeom prst="rect">
             <a:avLst/>
@@ -14809,27 +14812,6 @@
           </a:bodyPr>
           <a:lstStyle/>
           <a:p>
-            <a:pPr lvl="0" algn="ctr" fontAlgn="base">
-              <a:spcBef>
-                <a:spcPts val="1200"/>
-              </a:spcBef>
-              <a:spcAft>
-                <a:spcPts val="1200"/>
-              </a:spcAft>
-              <a:buClr>
-                <a:srgbClr val="000000"/>
-              </a:buClr>
-              <a:buSzPts val="1400"/>
-            </a:pPr>
-            <a:r>
-              <a:rPr lang="ru-RU" sz="2000" cap="all" dirty="0">
-                <a:ea typeface="+mj-ea"/>
-                <a:cs typeface="+mj-cs"/>
-              </a:rPr>
-              <a:t>СООБЩЕНИЯ</a:t>
-            </a:r>
-          </a:p>
-          <a:p>
             <a:pPr marL="360000" lvl="3" indent="450000" algn="just">
               <a:buClr>
                 <a:schemeClr val="tx1"/>
@@ -15020,6 +15002,45 @@
               </a:rPr>
               <a:t>Функция изменения стилей оформления сайта, для студентов, в конце семестра занявших 1-3 место в рейтинге.</a:t>
             </a:r>
+          </a:p>
+        </p:txBody>
+      </p:sp>
+      <p:sp>
+        <p:nvSpPr>
+          <p:cNvPr id="8" name="TextBox 7">
+            <a:extLst>
+              <a:ext uri="{FF2B5EF4-FFF2-40B4-BE49-F238E27FC236}">
+                <a16:creationId xmlns:a16="http://schemas.microsoft.com/office/drawing/2014/main" id="{EBC6445B-608A-4250-A2C1-AFCA748DC446}"/>
+              </a:ext>
+            </a:extLst>
+          </p:cNvPr>
+          <p:cNvSpPr txBox="1"/>
+          <p:nvPr/>
+        </p:nvSpPr>
+        <p:spPr>
+          <a:xfrm>
+            <a:off x="3490895" y="964511"/>
+            <a:ext cx="5086350" cy="400110"/>
+          </a:xfrm>
+          <a:prstGeom prst="rect">
+            <a:avLst/>
+          </a:prstGeom>
+          <a:noFill/>
+        </p:spPr>
+        <p:txBody>
+          <a:bodyPr wrap="square">
+            <a:spAutoFit/>
+          </a:bodyPr>
+          <a:lstStyle/>
+          <a:p>
+            <a:r>
+              <a:rPr lang="ru-RU" sz="2000" cap="all" dirty="0">
+                <a:ea typeface="+mj-ea"/>
+                <a:cs typeface="+mj-cs"/>
+              </a:rPr>
+              <a:t>Ранжированный список функционала</a:t>
+            </a:r>
+            <a:endParaRPr lang="ru-RU" sz="2000" dirty="0"/>
           </a:p>
         </p:txBody>
       </p:sp>
@@ -15510,7 +15531,7 @@
         <p:spPr>
           <a:xfrm>
             <a:off x="857249" y="1484432"/>
-            <a:ext cx="7886701" cy="3736087"/>
+            <a:ext cx="7886701" cy="3737562"/>
           </a:xfrm>
           <a:prstGeom prst="rect">
             <a:avLst/>
@@ -15558,35 +15579,28 @@
                 <a:ea typeface="+mj-ea"/>
                 <a:cs typeface="+mj-cs"/>
               </a:rPr>
-              <a:t> - </a:t>
-            </a:r>
-            <a:r>
-              <a:rPr lang="en-US" sz="2000" cap="all" dirty="0">
+              <a:t> - По форме «</a:t>
+            </a:r>
+            <a:r>
+              <a:rPr lang="ru-RU" sz="2000" cap="all" dirty="0">
                 <a:ea typeface="+mj-ea"/>
                 <a:cs typeface="+mj-cs"/>
+                <a:hlinkClick r:id="rId2">
+                  <a:extLst>
+                    <a:ext uri="{A12FA001-AC4F-418D-AE19-62706E023703}">
+                      <ahyp:hlinkClr xmlns:ahyp="http://schemas.microsoft.com/office/drawing/2018/hyperlinkcolor" val="tx"/>
+                    </a:ext>
+                  </a:extLst>
+                </a:hlinkClick>
               </a:rPr>
-              <a:t>Test case</a:t>
+              <a:t>Добавление расписания</a:t>
             </a:r>
             <a:r>
               <a:rPr lang="ru-RU" sz="2000" cap="all" dirty="0">
                 <a:ea typeface="+mj-ea"/>
                 <a:cs typeface="+mj-cs"/>
               </a:rPr>
-              <a:t> (</a:t>
-            </a:r>
-            <a:r>
-              <a:rPr lang="en-US" sz="2000" cap="all" dirty="0">
-                <a:ea typeface="+mj-ea"/>
-                <a:cs typeface="+mj-cs"/>
-              </a:rPr>
-              <a:t>STEPS</a:t>
-            </a:r>
-            <a:r>
-              <a:rPr lang="ru-RU" sz="2000" cap="all" dirty="0">
-                <a:ea typeface="+mj-ea"/>
-                <a:cs typeface="+mj-cs"/>
-              </a:rPr>
-              <a:t>) По шагам</a:t>
+              <a:t>» </a:t>
             </a:r>
           </a:p>
           <a:p>
@@ -15757,7 +15771,7 @@
           <p:nvPr/>
         </p:nvPicPr>
         <p:blipFill>
-          <a:blip r:embed="rId2"/>
+          <a:blip r:embed="rId3"/>
           <a:stretch>
             <a:fillRect/>
           </a:stretch>
@@ -15905,25 +15919,25 @@
           <p:nvPr>
             <p:extLst>
               <p:ext uri="{D42A27DB-BD31-4B8C-83A1-F6EECF244321}">
-                <p14:modId xmlns:p14="http://schemas.microsoft.com/office/powerpoint/2010/main" val="1642190579"/>
+                <p14:modId xmlns:p14="http://schemas.microsoft.com/office/powerpoint/2010/main" val="3080134569"/>
               </p:ext>
             </p:extLst>
           </p:nvPr>
         </p:nvGraphicFramePr>
         <p:xfrm>
-          <a:off x="311831" y="1743858"/>
-          <a:ext cx="11568338" cy="2140355"/>
+          <a:off x="311150" y="1743075"/>
+          <a:ext cx="11569700" cy="2141538"/>
         </p:xfrm>
         <a:graphic>
           <a:graphicData uri="http://schemas.openxmlformats.org/presentationml/2006/ole">
             <mc:AlternateContent xmlns:mc="http://schemas.openxmlformats.org/markup-compatibility/2006">
               <mc:Choice xmlns:v="urn:schemas-microsoft-com:vml" Requires="v">
-                <p:oleObj spid="_x0000_s1055" name="Worksheet" r:id="rId3" imgW="11963512" imgH="2209838" progId="Excel.Sheet.12">
+                <p:oleObj spid="_x0000_s1069" name="Worksheet" r:id="rId3" imgW="11963545" imgH="2209967" progId="Excel.Sheet.12">
                   <p:embed/>
                 </p:oleObj>
               </mc:Choice>
               <mc:Fallback>
-                <p:oleObj name="Worksheet" r:id="rId3" imgW="11963512" imgH="2209838" progId="Excel.Sheet.12">
+                <p:oleObj name="Worksheet" r:id="rId3" imgW="11963545" imgH="2209967" progId="Excel.Sheet.12">
                   <p:embed/>
                   <p:pic>
                     <p:nvPicPr>
@@ -15939,8 +15953,8 @@
                     </p:blipFill>
                     <p:spPr>
                       <a:xfrm>
-                        <a:off x="311831" y="1743858"/>
-                        <a:ext cx="11568338" cy="2140355"/>
+                        <a:off x="311150" y="1743075"/>
+                        <a:ext cx="11569700" cy="2141538"/>
                       </a:xfrm>
                       <a:prstGeom prst="rect">
                         <a:avLst/>
@@ -15968,25 +15982,25 @@
           <p:nvPr>
             <p:extLst>
               <p:ext uri="{D42A27DB-BD31-4B8C-83A1-F6EECF244321}">
-                <p14:modId xmlns:p14="http://schemas.microsoft.com/office/powerpoint/2010/main" val="148464572"/>
+                <p14:modId xmlns:p14="http://schemas.microsoft.com/office/powerpoint/2010/main" val="2647062394"/>
               </p:ext>
             </p:extLst>
           </p:nvPr>
         </p:nvGraphicFramePr>
         <p:xfrm>
-          <a:off x="1431985" y="3989983"/>
-          <a:ext cx="9039225" cy="2009775"/>
+          <a:off x="1576388" y="4070350"/>
+          <a:ext cx="9563100" cy="2009775"/>
         </p:xfrm>
         <a:graphic>
           <a:graphicData uri="http://schemas.openxmlformats.org/presentationml/2006/ole">
             <mc:AlternateContent xmlns:mc="http://schemas.openxmlformats.org/markup-compatibility/2006">
               <mc:Choice xmlns:v="urn:schemas-microsoft-com:vml" Requires="v">
-                <p:oleObj spid="_x0000_s1056" name="Worksheet" r:id="rId5" imgW="9039113" imgH="2009869" progId="Excel.Sheet.12">
+                <p:oleObj spid="_x0000_s1070" name="Worksheet" r:id="rId5" imgW="9563201" imgH="2009788" progId="Excel.Sheet.12">
                   <p:embed/>
                 </p:oleObj>
               </mc:Choice>
               <mc:Fallback>
-                <p:oleObj name="Worksheet" r:id="rId5" imgW="9039113" imgH="2009869" progId="Excel.Sheet.12">
+                <p:oleObj name="Worksheet" r:id="rId5" imgW="9563201" imgH="2009788" progId="Excel.Sheet.12">
                   <p:embed/>
                   <p:pic>
                     <p:nvPicPr>
@@ -16002,8 +16016,8 @@
                     </p:blipFill>
                     <p:spPr>
                       <a:xfrm>
-                        <a:off x="1431985" y="3989983"/>
-                        <a:ext cx="9039225" cy="2009775"/>
+                        <a:off x="1576388" y="4070350"/>
+                        <a:ext cx="9563100" cy="2009775"/>
                       </a:xfrm>
                       <a:prstGeom prst="rect">
                         <a:avLst/>
